--- a/presentation.pptx
+++ b/presentation.pptx
@@ -2005,7 +2005,7 @@
                 <a:ea typeface="Montserrat" pitchFamily="34" charset="-122"/>
                 <a:cs typeface="Montserrat" pitchFamily="34" charset="-120"/>
               </a:rPr>
-              <a:t>Экспорт приказов в формат </a:t>
+              <a:t>Экспорт приказов в форматы </a:t>
             </a:r>
             <a:r>
               <a:rPr lang="ru-RU" sz="1493" dirty="0" err="1">
@@ -2017,6 +2017,28 @@
                 <a:cs typeface="Montserrat" pitchFamily="34" charset="-120"/>
               </a:rPr>
               <a:t>docx</a:t>
+            </a:r>
+            <a:r>
+              <a:rPr lang="ru-RU" sz="1493" dirty="0">
+                <a:solidFill>
+                  <a:srgbClr val="272525"/>
+                </a:solidFill>
+                <a:latin typeface="Montserrat" pitchFamily="34" charset="0"/>
+                <a:ea typeface="Montserrat" pitchFamily="34" charset="-122"/>
+                <a:cs typeface="Montserrat" pitchFamily="34" charset="-120"/>
+              </a:rPr>
+              <a:t> и </a:t>
+            </a:r>
+            <a:r>
+              <a:rPr lang="en-US" sz="1493" dirty="0">
+                <a:solidFill>
+                  <a:srgbClr val="272525"/>
+                </a:solidFill>
+                <a:latin typeface="Montserrat" pitchFamily="34" charset="0"/>
+                <a:ea typeface="Montserrat" pitchFamily="34" charset="-122"/>
+                <a:cs typeface="Montserrat" pitchFamily="34" charset="-120"/>
+              </a:rPr>
+              <a:t>txt</a:t>
             </a:r>
             <a:r>
               <a:rPr lang="ru-RU" sz="1493" dirty="0">
@@ -2890,7 +2912,51 @@
                 <a:ea typeface="Montserrat" pitchFamily="34" charset="-122"/>
                 <a:cs typeface="Montserrat" pitchFamily="34" charset="-120"/>
               </a:rPr>
-              <a:t> погрузиться в мир создания пользовательских приложений и узнать о тонкостях работы с базами данных. Мы получили ценный опыт и навыки в области разработки программного обеспечения.</a:t>
+              <a:t> погрузиться в мир создания пользовательских приложений и узнать о тонкостях работы с базами данных. </a:t>
+            </a:r>
+            <a:r>
+              <a:rPr lang="ru-RU" sz="1750" dirty="0">
+                <a:solidFill>
+                  <a:srgbClr val="272525"/>
+                </a:solidFill>
+                <a:latin typeface="Montserrat" pitchFamily="34" charset="0"/>
+                <a:ea typeface="Montserrat" pitchFamily="34" charset="-122"/>
+                <a:cs typeface="Montserrat" pitchFamily="34" charset="-120"/>
+              </a:rPr>
+              <a:t>Я</a:t>
+            </a:r>
+            <a:r>
+              <a:rPr lang="en-US" sz="1750" dirty="0">
+                <a:solidFill>
+                  <a:srgbClr val="272525"/>
+                </a:solidFill>
+                <a:latin typeface="Montserrat" pitchFamily="34" charset="0"/>
+                <a:ea typeface="Montserrat" pitchFamily="34" charset="-122"/>
+                <a:cs typeface="Montserrat" pitchFamily="34" charset="-120"/>
+              </a:rPr>
+              <a:t> </a:t>
+            </a:r>
+            <a:r>
+              <a:rPr lang="en-US" sz="1750" dirty="0" err="1">
+                <a:solidFill>
+                  <a:srgbClr val="272525"/>
+                </a:solidFill>
+                <a:latin typeface="Montserrat" pitchFamily="34" charset="0"/>
+                <a:ea typeface="Montserrat" pitchFamily="34" charset="-122"/>
+                <a:cs typeface="Montserrat" pitchFamily="34" charset="-120"/>
+              </a:rPr>
+              <a:t>получил</a:t>
+            </a:r>
+            <a:r>
+              <a:rPr lang="en-US" sz="1750" dirty="0">
+                <a:solidFill>
+                  <a:srgbClr val="272525"/>
+                </a:solidFill>
+                <a:latin typeface="Montserrat" pitchFamily="34" charset="0"/>
+                <a:ea typeface="Montserrat" pitchFamily="34" charset="-122"/>
+                <a:cs typeface="Montserrat" pitchFamily="34" charset="-120"/>
+              </a:rPr>
+              <a:t> ценный опыт и навыки в области разработки программного обеспечения.</a:t>
             </a:r>
             <a:endParaRPr lang="en-US" sz="1750" dirty="0"/>
           </a:p>
